--- a/Group1 - Mixed Beverage Analysis.pptx
+++ b/Group1 - Mixed Beverage Analysis.pptx
@@ -119,7 +119,94 @@
       </a:defRPr>
     </a:lvl9pPr>
   </p:defaultTextStyle>
+  <p:extLst>
+    <p:ext uri="{EFAFB233-063F-42B5-8137-9DF3F51BA10A}">
+      <p15:sldGuideLst xmlns:p15="http://schemas.microsoft.com/office/powerpoint/2012/main"/>
+    </p:ext>
+  </p:extLst>
 </p:presentation>
+</file>
+
+<file path=ppt/changesInfos/changesInfo1.xml><?xml version="1.0" encoding="utf-8"?>
+<pc:chgInfo xmlns:a="http://schemas.openxmlformats.org/drawingml/2006/main" xmlns:r="http://schemas.openxmlformats.org/officeDocument/2006/relationships" xmlns:ac="http://schemas.microsoft.com/office/drawing/2013/main/command" xmlns:pc="http://schemas.microsoft.com/office/powerpoint/2013/main/command">
+  <pc:docChgLst>
+    <pc:chgData name="19729848001" userId="8139ed7acd5c9629" providerId="LiveId" clId="{F80C5D64-0016-4E9A-9EF8-3400EDBB6DFA}"/>
+    <pc:docChg chg="custSel modSld">
+      <pc:chgData name="19729848001" userId="8139ed7acd5c9629" providerId="LiveId" clId="{F80C5D64-0016-4E9A-9EF8-3400EDBB6DFA}" dt="2021-08-02T23:59:15.620" v="146" actId="20577"/>
+      <pc:docMkLst>
+        <pc:docMk/>
+      </pc:docMkLst>
+      <pc:sldChg chg="modSp mod">
+        <pc:chgData name="19729848001" userId="8139ed7acd5c9629" providerId="LiveId" clId="{F80C5D64-0016-4E9A-9EF8-3400EDBB6DFA}" dt="2021-08-02T23:45:33.365" v="143" actId="20577"/>
+        <pc:sldMkLst>
+          <pc:docMk/>
+          <pc:sldMk cId="598251666" sldId="258"/>
+        </pc:sldMkLst>
+        <pc:spChg chg="mod">
+          <ac:chgData name="19729848001" userId="8139ed7acd5c9629" providerId="LiveId" clId="{F80C5D64-0016-4E9A-9EF8-3400EDBB6DFA}" dt="2021-08-02T23:45:07.369" v="0" actId="313"/>
+          <ac:spMkLst>
+            <pc:docMk/>
+            <pc:sldMk cId="598251666" sldId="258"/>
+            <ac:spMk id="2" creationId="{21241743-BC31-40E8-B8B5-6269C26C8449}"/>
+          </ac:spMkLst>
+        </pc:spChg>
+        <pc:spChg chg="mod">
+          <ac:chgData name="19729848001" userId="8139ed7acd5c9629" providerId="LiveId" clId="{F80C5D64-0016-4E9A-9EF8-3400EDBB6DFA}" dt="2021-08-02T23:45:33.365" v="143" actId="20577"/>
+          <ac:spMkLst>
+            <pc:docMk/>
+            <pc:sldMk cId="598251666" sldId="258"/>
+            <ac:spMk id="3" creationId="{C97CA498-1728-4ED5-A19C-521711DA92EA}"/>
+          </ac:spMkLst>
+        </pc:spChg>
+      </pc:sldChg>
+      <pc:sldChg chg="modSp mod">
+        <pc:chgData name="19729848001" userId="8139ed7acd5c9629" providerId="LiveId" clId="{F80C5D64-0016-4E9A-9EF8-3400EDBB6DFA}" dt="2021-08-02T23:53:24.686" v="144" actId="313"/>
+        <pc:sldMkLst>
+          <pc:docMk/>
+          <pc:sldMk cId="3074226907" sldId="262"/>
+        </pc:sldMkLst>
+        <pc:spChg chg="mod">
+          <ac:chgData name="19729848001" userId="8139ed7acd5c9629" providerId="LiveId" clId="{F80C5D64-0016-4E9A-9EF8-3400EDBB6DFA}" dt="2021-08-02T23:53:24.686" v="144" actId="313"/>
+          <ac:spMkLst>
+            <pc:docMk/>
+            <pc:sldMk cId="3074226907" sldId="262"/>
+            <ac:spMk id="2" creationId="{C0FE186E-18A0-4ABA-8E13-F54E406EEC79}"/>
+          </ac:spMkLst>
+        </pc:spChg>
+      </pc:sldChg>
+      <pc:sldChg chg="modSp mod">
+        <pc:chgData name="19729848001" userId="8139ed7acd5c9629" providerId="LiveId" clId="{F80C5D64-0016-4E9A-9EF8-3400EDBB6DFA}" dt="2021-08-02T23:55:49.351" v="145" actId="313"/>
+        <pc:sldMkLst>
+          <pc:docMk/>
+          <pc:sldMk cId="2597864655" sldId="264"/>
+        </pc:sldMkLst>
+        <pc:spChg chg="mod">
+          <ac:chgData name="19729848001" userId="8139ed7acd5c9629" providerId="LiveId" clId="{F80C5D64-0016-4E9A-9EF8-3400EDBB6DFA}" dt="2021-08-02T23:55:49.351" v="145" actId="313"/>
+          <ac:spMkLst>
+            <pc:docMk/>
+            <pc:sldMk cId="2597864655" sldId="264"/>
+            <ac:spMk id="2" creationId="{39D2CAC0-E5AF-400E-B60B-6A024B0A1FBB}"/>
+          </ac:spMkLst>
+        </pc:spChg>
+      </pc:sldChg>
+      <pc:sldChg chg="modSp mod">
+        <pc:chgData name="19729848001" userId="8139ed7acd5c9629" providerId="LiveId" clId="{F80C5D64-0016-4E9A-9EF8-3400EDBB6DFA}" dt="2021-08-02T23:59:15.620" v="146" actId="20577"/>
+        <pc:sldMkLst>
+          <pc:docMk/>
+          <pc:sldMk cId="722358134" sldId="267"/>
+        </pc:sldMkLst>
+        <pc:spChg chg="mod">
+          <ac:chgData name="19729848001" userId="8139ed7acd5c9629" providerId="LiveId" clId="{F80C5D64-0016-4E9A-9EF8-3400EDBB6DFA}" dt="2021-08-02T23:59:15.620" v="146" actId="20577"/>
+          <ac:spMkLst>
+            <pc:docMk/>
+            <pc:sldMk cId="722358134" sldId="267"/>
+            <ac:spMk id="2" creationId="{EE104671-8194-41D5-BF63-09C9ED322D4F}"/>
+          </ac:spMkLst>
+        </pc:spChg>
+      </pc:sldChg>
+    </pc:docChg>
+  </pc:docChgLst>
+</pc:chgInfo>
 </file>
 
 <file path=ppt/slideLayouts/slideLayout1.xml><?xml version="1.0" encoding="utf-8"?>
@@ -3544,7 +3631,7 @@
           <a:p>
             <a:r>
               <a:rPr lang="en-US" dirty="0"/>
-              <a:t>Beverage Preferences</a:t>
+              <a:t>Beverage Preference</a:t>
             </a:r>
           </a:p>
         </p:txBody>
@@ -4184,10 +4271,9 @@
           <a:lstStyle/>
           <a:p>
             <a:r>
-              <a:rPr lang="en-US" dirty="0" err="1"/>
-              <a:t>Insperation</a:t>
-            </a:r>
-            <a:endParaRPr lang="en-US" dirty="0"/>
+              <a:rPr lang="en-US" dirty="0"/>
+              <a:t>Inspiration</a:t>
+            </a:r>
           </a:p>
         </p:txBody>
       </p:sp>
@@ -4215,6 +4301,12 @@
             <a:r>
               <a:rPr lang="en-US" dirty="0"/>
               <a:t>Kelli to add</a:t>
+            </a:r>
+          </a:p>
+          <a:p>
+            <a:r>
+              <a:rPr lang="en-US" dirty="0"/>
+              <a:t>We are the investors.</a:t>
             </a:r>
           </a:p>
         </p:txBody>
@@ -4561,12 +4653,8 @@
           <a:lstStyle/>
           <a:p>
             <a:r>
-              <a:rPr lang="en-US" dirty="0" err="1"/>
-              <a:t>Exploritory</a:t>
-            </a:r>
-            <a:r>
               <a:rPr lang="en-US" dirty="0"/>
-              <a:t> Data Analysis</a:t>
+              <a:t>Exploratory Data Analysis</a:t>
             </a:r>
           </a:p>
         </p:txBody>
@@ -4651,12 +4739,8 @@
           <a:lstStyle/>
           <a:p>
             <a:r>
-              <a:rPr lang="en-US" dirty="0" err="1"/>
-              <a:t>Exploritory</a:t>
-            </a:r>
-            <a:r>
               <a:rPr lang="en-US" dirty="0"/>
-              <a:t> Data Analysis</a:t>
+              <a:t>Exploratory Data Analysis</a:t>
             </a:r>
           </a:p>
         </p:txBody>
